--- a/arch_layer.pptx
+++ b/arch_layer.pptx
@@ -2961,18 +2961,18 @@
           <a:p>
             <a:pPr algn="ctr"/>
             <a:r>
-              <a:rPr lang="en-US" sz="1545" dirty="0">
+              <a:rPr lang="en-US" sz="1200" dirty="0">
                 <a:cs typeface="Calibri"/>
               </a:rPr>
               <a:t>Data </a:t>
             </a:r>
             <a:r>
-              <a:rPr lang="x-none" altLang="en-US" sz="1545" dirty="0">
+              <a:rPr lang="x-none" altLang="en-US" sz="1200" dirty="0">
                 <a:cs typeface="Calibri"/>
               </a:rPr>
               <a:t>Management</a:t>
             </a:r>
-            <a:endParaRPr lang="x-none" altLang="en-US" sz="1545" dirty="0">
+            <a:endParaRPr lang="x-none" altLang="en-US" sz="1200" dirty="0">
               <a:cs typeface="Calibri"/>
             </a:endParaRPr>
           </a:p>
@@ -3014,12 +3014,12 @@
           <a:p>
             <a:pPr algn="ctr"/>
             <a:r>
-              <a:rPr lang="en-US" sz="1545" dirty="0">
+              <a:rPr lang="en-US" sz="1200" dirty="0">
                 <a:cs typeface="Calibri"/>
               </a:rPr>
               <a:t>Web Framework</a:t>
             </a:r>
-            <a:endParaRPr lang="en-US" sz="1545" dirty="0">
+            <a:endParaRPr lang="en-US" sz="1200" dirty="0">
               <a:cs typeface="Calibri"/>
             </a:endParaRPr>
           </a:p>
@@ -3061,12 +3061,12 @@
           <a:p>
             <a:pPr algn="ctr"/>
             <a:r>
-              <a:rPr lang="en-US" sz="1545" dirty="0">
+              <a:rPr lang="en-US" sz="1200" dirty="0">
                 <a:cs typeface="Calibri"/>
               </a:rPr>
               <a:t>WebGL Library</a:t>
             </a:r>
-            <a:endParaRPr lang="en-US" sz="1545" dirty="0">
+            <a:endParaRPr lang="en-US" sz="1200" dirty="0">
               <a:cs typeface="Calibri"/>
             </a:endParaRPr>
           </a:p>
@@ -3111,12 +3111,12 @@
           <a:p>
             <a:pPr algn="r"/>
             <a:r>
-              <a:rPr lang="en-US" sz="1545" dirty="0">
+              <a:rPr lang="en-US" sz="1200" dirty="0">
                 <a:cs typeface="Calibri"/>
               </a:rPr>
               <a:t>Infrastructure</a:t>
             </a:r>
-            <a:endParaRPr lang="en-US" sz="1545" dirty="0">
+            <a:endParaRPr lang="en-US" sz="1200" dirty="0">
               <a:cs typeface="Calibri"/>
             </a:endParaRPr>
           </a:p>
@@ -3252,24 +3252,24 @@
           <a:p>
             <a:pPr algn="ctr"/>
             <a:r>
-              <a:rPr lang="x-none" altLang="en-US" sz="1545" dirty="0">
+              <a:rPr lang="x-none" altLang="en-US" sz="1200" dirty="0">
                 <a:cs typeface="Calibri"/>
               </a:rPr>
               <a:t>Computer</a:t>
             </a:r>
-            <a:endParaRPr lang="x-none" altLang="en-US" sz="1545" dirty="0">
+            <a:endParaRPr lang="x-none" altLang="en-US" sz="1200" dirty="0">
               <a:cs typeface="Calibri"/>
             </a:endParaRPr>
           </a:p>
           <a:p>
             <a:pPr algn="ctr"/>
             <a:r>
-              <a:rPr lang="x-none" altLang="en-US" sz="1545" dirty="0">
+              <a:rPr lang="x-none" altLang="en-US" sz="1200" dirty="0">
                 <a:cs typeface="Calibri"/>
               </a:rPr>
               <a:t>Graphics</a:t>
             </a:r>
-            <a:endParaRPr lang="x-none" altLang="en-US" sz="1545" dirty="0">
+            <a:endParaRPr lang="x-none" altLang="en-US" sz="1200" dirty="0">
               <a:cs typeface="Calibri"/>
             </a:endParaRPr>
           </a:p>
@@ -3314,12 +3314,12 @@
           <a:p>
             <a:pPr algn="r"/>
             <a:r>
-              <a:rPr lang="en-US" sz="1545" dirty="0">
+              <a:rPr lang="en-US" sz="1200" dirty="0">
                 <a:cs typeface="Calibri"/>
               </a:rPr>
               <a:t>Tool Sets</a:t>
             </a:r>
-            <a:endParaRPr lang="en-US" sz="1545" dirty="0">
+            <a:endParaRPr lang="en-US" sz="1200" dirty="0">
               <a:cs typeface="Calibri"/>
             </a:endParaRPr>
           </a:p>
@@ -3455,18 +3455,18 @@
           <a:p>
             <a:pPr algn="ctr"/>
             <a:r>
-              <a:rPr lang="en-US" sz="1545" dirty="0">
+              <a:rPr lang="en-US" sz="1200" dirty="0">
                 <a:cs typeface="Calibri"/>
               </a:rPr>
               <a:t>Geometry </a:t>
             </a:r>
             <a:r>
-              <a:rPr lang="x-none" altLang="en-US" sz="1545" dirty="0">
+              <a:rPr lang="" altLang="x-none" sz="1200" dirty="0">
                 <a:cs typeface="Calibri"/>
               </a:rPr>
-              <a:t>Projection</a:t>
-            </a:r>
-            <a:endParaRPr lang="x-none" altLang="en-US" sz="1545" dirty="0">
+              <a:t>Transformation</a:t>
+            </a:r>
+            <a:endParaRPr lang="" altLang="x-none" sz="1200" dirty="0">
               <a:cs typeface="Calibri"/>
             </a:endParaRPr>
           </a:p>
@@ -3511,12 +3511,12 @@
           <a:p>
             <a:pPr algn="r"/>
             <a:r>
-              <a:rPr lang="en-US" sz="1545" dirty="0">
+              <a:rPr lang="en-US" sz="1200" dirty="0">
                 <a:cs typeface="Calibri"/>
               </a:rPr>
               <a:t>Visualization</a:t>
             </a:r>
-            <a:endParaRPr lang="en-US" sz="1545" dirty="0">
+            <a:endParaRPr lang="en-US" sz="1200" dirty="0">
               <a:cs typeface="Calibri"/>
             </a:endParaRPr>
           </a:p>
@@ -3530,8 +3530,8 @@
         </p:nvSpPr>
         <p:spPr>
           <a:xfrm>
-            <a:off x="1470932" y="751114"/>
-            <a:ext cx="1255259" cy="478971"/>
+            <a:off x="1470660" y="751205"/>
+            <a:ext cx="778510" cy="478790"/>
           </a:xfrm>
           <a:prstGeom prst="rect">
             <a:avLst/>
@@ -3652,36 +3652,36 @@
           <a:p>
             <a:pPr algn="ctr"/>
             <a:r>
-              <a:rPr lang="en-US" sz="1545" dirty="0">
+              <a:rPr lang="en-US" sz="1200" dirty="0">
                 <a:cs typeface="Calibri"/>
               </a:rPr>
               <a:t>Multi</a:t>
             </a:r>
             <a:r>
-              <a:rPr lang="x-none" altLang="en-US" sz="1545" dirty="0">
+              <a:rPr lang="x-none" altLang="en-US" sz="1200" dirty="0">
                 <a:cs typeface="Calibri"/>
               </a:rPr>
               <a:t>ple</a:t>
             </a:r>
-            <a:endParaRPr lang="x-none" altLang="en-US" sz="1545" dirty="0">
+            <a:endParaRPr lang="x-none" altLang="en-US" sz="1200" dirty="0">
               <a:cs typeface="Calibri"/>
             </a:endParaRPr>
           </a:p>
           <a:p>
             <a:pPr algn="ctr"/>
             <a:r>
-              <a:rPr lang="en-US" sz="1545" dirty="0">
+              <a:rPr lang="en-US" sz="1200" dirty="0">
                 <a:cs typeface="Calibri"/>
               </a:rPr>
               <a:t>View</a:t>
             </a:r>
             <a:r>
-              <a:rPr lang="x-none" altLang="en-US" sz="1545" dirty="0">
+              <a:rPr lang="x-none" altLang="en-US" sz="1200" dirty="0">
                 <a:cs typeface="Calibri"/>
               </a:rPr>
               <a:t>s</a:t>
             </a:r>
-            <a:endParaRPr lang="x-none" altLang="en-US" sz="1545" dirty="0">
+            <a:endParaRPr lang="x-none" altLang="en-US" sz="1200" dirty="0">
               <a:cs typeface="Calibri"/>
             </a:endParaRPr>
           </a:p>
@@ -3817,24 +3817,24 @@
           <a:p>
             <a:pPr algn="ctr"/>
             <a:r>
-              <a:rPr lang="x-none" altLang="en-US" sz="1545" dirty="0">
+              <a:rPr lang="x-none" altLang="en-US" sz="1200" dirty="0">
                 <a:cs typeface="Calibri"/>
               </a:rPr>
               <a:t>AI</a:t>
             </a:r>
-            <a:endParaRPr lang="x-none" altLang="en-US" sz="1545" dirty="0">
+            <a:endParaRPr lang="x-none" altLang="en-US" sz="1200" dirty="0">
               <a:cs typeface="Calibri"/>
             </a:endParaRPr>
           </a:p>
           <a:p>
             <a:pPr algn="ctr"/>
             <a:r>
-              <a:rPr lang="x-none" altLang="en-US" sz="1545" dirty="0">
+              <a:rPr lang="x-none" altLang="en-US" sz="1200" dirty="0">
                 <a:cs typeface="Calibri"/>
               </a:rPr>
               <a:t>Algorithms</a:t>
             </a:r>
-            <a:endParaRPr lang="x-none" altLang="en-US" sz="1545" dirty="0">
+            <a:endParaRPr lang="x-none" altLang="en-US" sz="1200" dirty="0">
               <a:cs typeface="Calibri"/>
             </a:endParaRPr>
           </a:p>
@@ -3848,8 +3848,8 @@
         </p:nvSpPr>
         <p:spPr>
           <a:xfrm>
-            <a:off x="4137932" y="751114"/>
-            <a:ext cx="1255259" cy="478971"/>
+            <a:off x="5064760" y="751205"/>
+            <a:ext cx="711200" cy="478790"/>
           </a:xfrm>
           <a:prstGeom prst="rect">
             <a:avLst/>
@@ -3970,13 +3970,13 @@
           <a:p>
             <a:pPr algn="ctr"/>
             <a:r>
-              <a:rPr lang="en-US" sz="1545" dirty="0">
+              <a:rPr lang="en-US" sz="1200" dirty="0">
                 <a:ea typeface="+mn-lt"/>
                 <a:cs typeface="+mn-lt"/>
               </a:rPr>
               <a:t>Focus </a:t>
             </a:r>
-            <a:endParaRPr lang="en-US" sz="1545" dirty="0">
+            <a:endParaRPr lang="en-US" sz="1200" dirty="0">
               <a:ea typeface="+mn-lt"/>
               <a:cs typeface="+mn-lt"/>
             </a:endParaRPr>
@@ -3984,13 +3984,13 @@
           <a:p>
             <a:pPr algn="ctr"/>
             <a:r>
-              <a:rPr lang="en-US" sz="1545" dirty="0">
+              <a:rPr lang="en-US" sz="1200" dirty="0">
                 <a:ea typeface="+mn-lt"/>
                 <a:cs typeface="+mn-lt"/>
               </a:rPr>
               <a:t>Mode</a:t>
             </a:r>
-            <a:endParaRPr lang="en-US" sz="1545" dirty="0">
+            <a:endParaRPr lang="en-US" sz="1200" dirty="0">
               <a:ea typeface="+mn-lt"/>
               <a:cs typeface="+mn-lt"/>
             </a:endParaRPr>
@@ -4005,8 +4005,8 @@
         </p:nvSpPr>
         <p:spPr>
           <a:xfrm>
-            <a:off x="5458505" y="751114"/>
-            <a:ext cx="1255259" cy="478971"/>
+            <a:off x="5844540" y="751205"/>
+            <a:ext cx="869315" cy="478790"/>
           </a:xfrm>
           <a:prstGeom prst="rect">
             <a:avLst/>
@@ -4127,20 +4127,20 @@
           <a:p>
             <a:pPr algn="ctr"/>
             <a:r>
-              <a:rPr lang="en-US" sz="1545" dirty="0">
+              <a:rPr lang="en-US" sz="1200" dirty="0">
                 <a:ea typeface="+mn-lt"/>
                 <a:cs typeface="+mn-lt"/>
               </a:rPr>
               <a:t>Camera Switch</a:t>
             </a:r>
             <a:r>
-              <a:rPr lang="x-none" altLang="en-US" sz="1545" dirty="0">
+              <a:rPr lang="x-none" altLang="en-US" sz="1200" dirty="0">
                 <a:ea typeface="+mn-lt"/>
                 <a:cs typeface="+mn-lt"/>
               </a:rPr>
               <a:t>ing</a:t>
             </a:r>
-            <a:endParaRPr lang="x-none" altLang="en-US" sz="1545" dirty="0">
+            <a:endParaRPr lang="x-none" altLang="en-US" sz="1200" dirty="0">
               <a:ea typeface="+mn-lt"/>
               <a:cs typeface="+mn-lt"/>
             </a:endParaRPr>
@@ -4155,8 +4155,8 @@
         </p:nvSpPr>
         <p:spPr>
           <a:xfrm>
-            <a:off x="2809875" y="751114"/>
-            <a:ext cx="1255259" cy="478971"/>
+            <a:off x="2334260" y="751205"/>
+            <a:ext cx="774700" cy="478790"/>
           </a:xfrm>
           <a:prstGeom prst="rect">
             <a:avLst/>
@@ -4277,12 +4277,12 @@
           <a:p>
             <a:pPr algn="ctr"/>
             <a:r>
-              <a:rPr lang="x-none" altLang="en-US" sz="1545">
+              <a:rPr lang="x-none" altLang="en-US" sz="1200">
                 <a:cs typeface="Calibri"/>
               </a:rPr>
               <a:t>Stream Playing</a:t>
             </a:r>
-            <a:endParaRPr lang="x-none" altLang="en-US" sz="1545" dirty="0">
+            <a:endParaRPr lang="x-none" altLang="en-US" sz="1200" dirty="0">
               <a:cs typeface="Calibri"/>
             </a:endParaRPr>
           </a:p>
@@ -4418,12 +4418,12 @@
           <a:p>
             <a:pPr algn="ctr"/>
             <a:r>
-              <a:rPr lang="x-none" altLang="en-US" sz="1545" dirty="0">
+              <a:rPr lang="x-none" altLang="en-US" sz="1200" dirty="0">
                 <a:cs typeface="Calibri"/>
               </a:rPr>
               <a:t>Auto Box Initialization</a:t>
             </a:r>
-            <a:endParaRPr lang="x-none" altLang="en-US" sz="1545" dirty="0">
+            <a:endParaRPr lang="x-none" altLang="en-US" sz="1200" dirty="0">
               <a:cs typeface="Calibri"/>
             </a:endParaRPr>
           </a:p>
@@ -4559,34 +4559,28 @@
           <a:p>
             <a:pPr algn="ctr"/>
             <a:r>
-              <a:rPr lang="x-none" altLang="en-US" sz="1545" dirty="0">
+              <a:rPr lang="" sz="1200" dirty="0">
                 <a:cs typeface="Calibri"/>
                 <a:sym typeface="+mn-ea"/>
               </a:rPr>
-              <a:t>Semi </a:t>
-            </a:r>
-            <a:r>
-              <a:rPr lang="en-US" sz="1545" dirty="0">
-                <a:cs typeface="Calibri"/>
-                <a:sym typeface="+mn-ea"/>
-              </a:rPr>
-              <a:t>Auto</a:t>
-            </a:r>
-            <a:endParaRPr lang="en-US" sz="1545" dirty="0">
+              <a:t>Interactive</a:t>
+            </a:r>
+            <a:endParaRPr lang="en-US" sz="1200" dirty="0">
               <a:cs typeface="Calibri"/>
             </a:endParaRPr>
           </a:p>
           <a:p>
             <a:pPr algn="ctr"/>
             <a:r>
-              <a:rPr lang="x-none" altLang="en-US" sz="1545" dirty="0">
+              <a:rPr lang="x-none" altLang="en-US" sz="1200" dirty="0">
                 <a:cs typeface="Calibri"/>
                 <a:sym typeface="+mn-ea"/>
               </a:rPr>
               <a:t>Box Fitting</a:t>
             </a:r>
-            <a:endParaRPr lang="en-US" altLang="en-US" sz="1545" dirty="0">
+            <a:endParaRPr lang="x-none" altLang="en-US" sz="1200" dirty="0">
               <a:cs typeface="Calibri"/>
+              <a:sym typeface="+mn-ea"/>
             </a:endParaRPr>
           </a:p>
         </p:txBody>
@@ -4721,24 +4715,24 @@
           <a:p>
             <a:pPr algn="ctr"/>
             <a:r>
-              <a:rPr lang="x-none" altLang="en-US" sz="1545" dirty="0">
+              <a:rPr lang="x-none" altLang="en-US" sz="1200" dirty="0">
                 <a:cs typeface="Calibri"/>
               </a:rPr>
               <a:t>Annotation</a:t>
             </a:r>
-            <a:endParaRPr lang="x-none" altLang="en-US" sz="1545" dirty="0">
+            <a:endParaRPr lang="x-none" altLang="en-US" sz="1200" dirty="0">
               <a:cs typeface="Calibri"/>
             </a:endParaRPr>
           </a:p>
           <a:p>
             <a:pPr algn="ctr"/>
             <a:r>
-              <a:rPr lang="x-none" altLang="en-US" sz="1545" dirty="0">
+              <a:rPr lang="x-none" altLang="en-US" sz="1200" dirty="0">
                 <a:cs typeface="Calibri"/>
               </a:rPr>
               <a:t>Transfer</a:t>
             </a:r>
-            <a:endParaRPr lang="x-none" altLang="en-US" sz="1545" dirty="0">
+            <a:endParaRPr lang="x-none" altLang="en-US" sz="1200" dirty="0">
               <a:cs typeface="Calibri"/>
             </a:endParaRPr>
           </a:p>
@@ -4874,18 +4868,18 @@
           <a:p>
             <a:pPr algn="ctr"/>
             <a:r>
-              <a:rPr lang="en-US" sz="1545">
+              <a:rPr lang="en-US" sz="1200">
                 <a:cs typeface="Calibri"/>
               </a:rPr>
               <a:t>Point cloud </a:t>
             </a:r>
             <a:r>
-              <a:rPr lang="x-none" altLang="en-US" sz="1545">
+              <a:rPr lang="x-none" altLang="en-US" sz="1200">
                 <a:cs typeface="Calibri"/>
               </a:rPr>
               <a:t>Library</a:t>
             </a:r>
-            <a:endParaRPr lang="x-none" altLang="en-US" sz="1545" dirty="0">
+            <a:endParaRPr lang="x-none" altLang="en-US" sz="1200" dirty="0">
               <a:cs typeface="Calibri"/>
             </a:endParaRPr>
           </a:p>
@@ -4930,12 +4924,12 @@
           <a:p>
             <a:pPr algn="r"/>
             <a:r>
-              <a:rPr lang="en-US" sz="1545" dirty="0">
+              <a:rPr lang="en-US" sz="1200" dirty="0">
                 <a:cs typeface="Calibri"/>
               </a:rPr>
               <a:t>Operation</a:t>
             </a:r>
-            <a:endParaRPr lang="en-US" sz="1545" dirty="0">
+            <a:endParaRPr lang="en-US" sz="1200" dirty="0">
               <a:cs typeface="Calibri"/>
             </a:endParaRPr>
           </a:p>
@@ -5211,26 +5205,333 @@
           <a:p>
             <a:pPr algn="ctr"/>
             <a:r>
-              <a:rPr lang="x-none" altLang="en-US" sz="1545" dirty="0">
+              <a:rPr lang="x-none" altLang="en-US" sz="1200" dirty="0">
                 <a:cs typeface="Calibri"/>
                 <a:sym typeface="+mn-ea"/>
               </a:rPr>
               <a:t>Multi-view</a:t>
             </a:r>
-            <a:endParaRPr lang="x-none" altLang="en-US" sz="1545" dirty="0">
+            <a:endParaRPr lang="x-none" altLang="en-US" sz="1200" dirty="0">
               <a:cs typeface="Calibri"/>
             </a:endParaRPr>
           </a:p>
           <a:p>
             <a:pPr algn="ctr"/>
             <a:r>
-              <a:rPr lang="x-none" altLang="en-US" sz="1545" dirty="0">
+              <a:rPr lang="x-none" altLang="en-US" sz="1200" dirty="0">
                 <a:cs typeface="Calibri"/>
                 <a:sym typeface="+mn-ea"/>
               </a:rPr>
               <a:t>Editing</a:t>
             </a:r>
-            <a:endParaRPr lang="en-US" sz="1545" dirty="0">
+            <a:endParaRPr lang="x-none" altLang="en-US" sz="1200" dirty="0">
+              <a:cs typeface="Calibri"/>
+              <a:sym typeface="+mn-ea"/>
+            </a:endParaRPr>
+          </a:p>
+        </p:txBody>
+      </p:sp>
+      <p:sp>
+        <p:nvSpPr>
+          <p:cNvPr id="8" name="Rectangle 7"/>
+          <p:cNvSpPr/>
+          <p:nvPr/>
+        </p:nvSpPr>
+        <p:spPr>
+          <a:xfrm>
+            <a:off x="4050030" y="751205"/>
+            <a:ext cx="941705" cy="478790"/>
+          </a:xfrm>
+          <a:prstGeom prst="rect">
+            <a:avLst/>
+          </a:prstGeom>
+          <a:ln w="28575"/>
+        </p:spPr>
+        <p:style>
+          <a:lnRef idx="2">
+            <a:schemeClr val="dk1"/>
+          </a:lnRef>
+          <a:fillRef idx="1">
+            <a:schemeClr val="lt1"/>
+          </a:fillRef>
+          <a:effectRef idx="0">
+            <a:schemeClr val="dk1"/>
+          </a:effectRef>
+          <a:fontRef idx="minor">
+            <a:schemeClr val="dk1"/>
+          </a:fontRef>
+        </p:style>
+        <p:txBody>
+          <a:bodyPr rtlCol="0" anchor="ctr"/>
+          <a:lstStyle>
+            <a:defPPr>
+              <a:defRPr lang="en-US"/>
+            </a:defPPr>
+            <a:lvl1pPr marL="0" algn="l" defTabSz="914400" rtl="0" eaLnBrk="1" latinLnBrk="0" hangingPunct="1">
+              <a:defRPr sz="1800" kern="1200">
+                <a:solidFill>
+                  <a:schemeClr val="dk1"/>
+                </a:solidFill>
+                <a:latin typeface="+mn-lt"/>
+                <a:ea typeface="+mn-ea"/>
+                <a:cs typeface="+mn-cs"/>
+              </a:defRPr>
+            </a:lvl1pPr>
+            <a:lvl2pPr marL="457200" algn="l" defTabSz="914400" rtl="0" eaLnBrk="1" latinLnBrk="0" hangingPunct="1">
+              <a:defRPr sz="1800" kern="1200">
+                <a:solidFill>
+                  <a:schemeClr val="dk1"/>
+                </a:solidFill>
+                <a:latin typeface="+mn-lt"/>
+                <a:ea typeface="+mn-ea"/>
+                <a:cs typeface="+mn-cs"/>
+              </a:defRPr>
+            </a:lvl2pPr>
+            <a:lvl3pPr marL="914400" algn="l" defTabSz="914400" rtl="0" eaLnBrk="1" latinLnBrk="0" hangingPunct="1">
+              <a:defRPr sz="1800" kern="1200">
+                <a:solidFill>
+                  <a:schemeClr val="dk1"/>
+                </a:solidFill>
+                <a:latin typeface="+mn-lt"/>
+                <a:ea typeface="+mn-ea"/>
+                <a:cs typeface="+mn-cs"/>
+              </a:defRPr>
+            </a:lvl3pPr>
+            <a:lvl4pPr marL="1371600" algn="l" defTabSz="914400" rtl="0" eaLnBrk="1" latinLnBrk="0" hangingPunct="1">
+              <a:defRPr sz="1800" kern="1200">
+                <a:solidFill>
+                  <a:schemeClr val="dk1"/>
+                </a:solidFill>
+                <a:latin typeface="+mn-lt"/>
+                <a:ea typeface="+mn-ea"/>
+                <a:cs typeface="+mn-cs"/>
+              </a:defRPr>
+            </a:lvl4pPr>
+            <a:lvl5pPr marL="1828800" algn="l" defTabSz="914400" rtl="0" eaLnBrk="1" latinLnBrk="0" hangingPunct="1">
+              <a:defRPr sz="1800" kern="1200">
+                <a:solidFill>
+                  <a:schemeClr val="dk1"/>
+                </a:solidFill>
+                <a:latin typeface="+mn-lt"/>
+                <a:ea typeface="+mn-ea"/>
+                <a:cs typeface="+mn-cs"/>
+              </a:defRPr>
+            </a:lvl5pPr>
+            <a:lvl6pPr marL="2286000" algn="l" defTabSz="914400" rtl="0" eaLnBrk="1" latinLnBrk="0" hangingPunct="1">
+              <a:defRPr sz="1800" kern="1200">
+                <a:solidFill>
+                  <a:schemeClr val="dk1"/>
+                </a:solidFill>
+                <a:latin typeface="+mn-lt"/>
+                <a:ea typeface="+mn-ea"/>
+                <a:cs typeface="+mn-cs"/>
+              </a:defRPr>
+            </a:lvl6pPr>
+            <a:lvl7pPr marL="2743200" algn="l" defTabSz="914400" rtl="0" eaLnBrk="1" latinLnBrk="0" hangingPunct="1">
+              <a:defRPr sz="1800" kern="1200">
+                <a:solidFill>
+                  <a:schemeClr val="dk1"/>
+                </a:solidFill>
+                <a:latin typeface="+mn-lt"/>
+                <a:ea typeface="+mn-ea"/>
+                <a:cs typeface="+mn-cs"/>
+              </a:defRPr>
+            </a:lvl7pPr>
+            <a:lvl8pPr marL="3200400" algn="l" defTabSz="914400" rtl="0" eaLnBrk="1" latinLnBrk="0" hangingPunct="1">
+              <a:defRPr sz="1800" kern="1200">
+                <a:solidFill>
+                  <a:schemeClr val="dk1"/>
+                </a:solidFill>
+                <a:latin typeface="+mn-lt"/>
+                <a:ea typeface="+mn-ea"/>
+                <a:cs typeface="+mn-cs"/>
+              </a:defRPr>
+            </a:lvl8pPr>
+            <a:lvl9pPr marL="3657600" algn="l" defTabSz="914400" rtl="0" eaLnBrk="1" latinLnBrk="0" hangingPunct="1">
+              <a:defRPr sz="1800" kern="1200">
+                <a:solidFill>
+                  <a:schemeClr val="dk1"/>
+                </a:solidFill>
+                <a:latin typeface="+mn-lt"/>
+                <a:ea typeface="+mn-ea"/>
+                <a:cs typeface="+mn-cs"/>
+              </a:defRPr>
+            </a:lvl9pPr>
+          </a:lstStyle>
+          <a:p>
+            <a:pPr algn="ctr"/>
+            <a:r>
+              <a:rPr lang="" sz="1200" dirty="0">
+                <a:cs typeface="Calibri"/>
+              </a:rPr>
+              <a:t>Object/Box</a:t>
+            </a:r>
+            <a:endParaRPr lang="" sz="1200" dirty="0">
+              <a:cs typeface="Calibri"/>
+            </a:endParaRPr>
+          </a:p>
+          <a:p>
+            <a:pPr algn="ctr"/>
+            <a:r>
+              <a:rPr lang="" sz="1200" dirty="0">
+                <a:cs typeface="Calibri"/>
+              </a:rPr>
+              <a:t>Coloring</a:t>
+            </a:r>
+            <a:endParaRPr lang="" sz="1200" dirty="0">
+              <a:cs typeface="Calibri"/>
+            </a:endParaRPr>
+          </a:p>
+        </p:txBody>
+      </p:sp>
+      <p:sp>
+        <p:nvSpPr>
+          <p:cNvPr id="9" name="Rectangle 8"/>
+          <p:cNvSpPr/>
+          <p:nvPr/>
+        </p:nvSpPr>
+        <p:spPr>
+          <a:xfrm>
+            <a:off x="3196590" y="751205"/>
+            <a:ext cx="774700" cy="478790"/>
+          </a:xfrm>
+          <a:prstGeom prst="rect">
+            <a:avLst/>
+          </a:prstGeom>
+          <a:ln w="28575"/>
+        </p:spPr>
+        <p:style>
+          <a:lnRef idx="2">
+            <a:schemeClr val="dk1"/>
+          </a:lnRef>
+          <a:fillRef idx="1">
+            <a:schemeClr val="lt1"/>
+          </a:fillRef>
+          <a:effectRef idx="0">
+            <a:schemeClr val="dk1"/>
+          </a:effectRef>
+          <a:fontRef idx="minor">
+            <a:schemeClr val="dk1"/>
+          </a:fontRef>
+        </p:style>
+        <p:txBody>
+          <a:bodyPr rtlCol="0" anchor="ctr"/>
+          <a:lstStyle>
+            <a:defPPr>
+              <a:defRPr lang="en-US"/>
+            </a:defPPr>
+            <a:lvl1pPr marL="0" algn="l" defTabSz="914400" rtl="0" eaLnBrk="1" latinLnBrk="0" hangingPunct="1">
+              <a:defRPr sz="1800" kern="1200">
+                <a:solidFill>
+                  <a:schemeClr val="dk1"/>
+                </a:solidFill>
+                <a:latin typeface="+mn-lt"/>
+                <a:ea typeface="+mn-ea"/>
+                <a:cs typeface="+mn-cs"/>
+              </a:defRPr>
+            </a:lvl1pPr>
+            <a:lvl2pPr marL="457200" algn="l" defTabSz="914400" rtl="0" eaLnBrk="1" latinLnBrk="0" hangingPunct="1">
+              <a:defRPr sz="1800" kern="1200">
+                <a:solidFill>
+                  <a:schemeClr val="dk1"/>
+                </a:solidFill>
+                <a:latin typeface="+mn-lt"/>
+                <a:ea typeface="+mn-ea"/>
+                <a:cs typeface="+mn-cs"/>
+              </a:defRPr>
+            </a:lvl2pPr>
+            <a:lvl3pPr marL="914400" algn="l" defTabSz="914400" rtl="0" eaLnBrk="1" latinLnBrk="0" hangingPunct="1">
+              <a:defRPr sz="1800" kern="1200">
+                <a:solidFill>
+                  <a:schemeClr val="dk1"/>
+                </a:solidFill>
+                <a:latin typeface="+mn-lt"/>
+                <a:ea typeface="+mn-ea"/>
+                <a:cs typeface="+mn-cs"/>
+              </a:defRPr>
+            </a:lvl3pPr>
+            <a:lvl4pPr marL="1371600" algn="l" defTabSz="914400" rtl="0" eaLnBrk="1" latinLnBrk="0" hangingPunct="1">
+              <a:defRPr sz="1800" kern="1200">
+                <a:solidFill>
+                  <a:schemeClr val="dk1"/>
+                </a:solidFill>
+                <a:latin typeface="+mn-lt"/>
+                <a:ea typeface="+mn-ea"/>
+                <a:cs typeface="+mn-cs"/>
+              </a:defRPr>
+            </a:lvl4pPr>
+            <a:lvl5pPr marL="1828800" algn="l" defTabSz="914400" rtl="0" eaLnBrk="1" latinLnBrk="0" hangingPunct="1">
+              <a:defRPr sz="1800" kern="1200">
+                <a:solidFill>
+                  <a:schemeClr val="dk1"/>
+                </a:solidFill>
+                <a:latin typeface="+mn-lt"/>
+                <a:ea typeface="+mn-ea"/>
+                <a:cs typeface="+mn-cs"/>
+              </a:defRPr>
+            </a:lvl5pPr>
+            <a:lvl6pPr marL="2286000" algn="l" defTabSz="914400" rtl="0" eaLnBrk="1" latinLnBrk="0" hangingPunct="1">
+              <a:defRPr sz="1800" kern="1200">
+                <a:solidFill>
+                  <a:schemeClr val="dk1"/>
+                </a:solidFill>
+                <a:latin typeface="+mn-lt"/>
+                <a:ea typeface="+mn-ea"/>
+                <a:cs typeface="+mn-cs"/>
+              </a:defRPr>
+            </a:lvl6pPr>
+            <a:lvl7pPr marL="2743200" algn="l" defTabSz="914400" rtl="0" eaLnBrk="1" latinLnBrk="0" hangingPunct="1">
+              <a:defRPr sz="1800" kern="1200">
+                <a:solidFill>
+                  <a:schemeClr val="dk1"/>
+                </a:solidFill>
+                <a:latin typeface="+mn-lt"/>
+                <a:ea typeface="+mn-ea"/>
+                <a:cs typeface="+mn-cs"/>
+              </a:defRPr>
+            </a:lvl7pPr>
+            <a:lvl8pPr marL="3200400" algn="l" defTabSz="914400" rtl="0" eaLnBrk="1" latinLnBrk="0" hangingPunct="1">
+              <a:defRPr sz="1800" kern="1200">
+                <a:solidFill>
+                  <a:schemeClr val="dk1"/>
+                </a:solidFill>
+                <a:latin typeface="+mn-lt"/>
+                <a:ea typeface="+mn-ea"/>
+                <a:cs typeface="+mn-cs"/>
+              </a:defRPr>
+            </a:lvl8pPr>
+            <a:lvl9pPr marL="3657600" algn="l" defTabSz="914400" rtl="0" eaLnBrk="1" latinLnBrk="0" hangingPunct="1">
+              <a:defRPr sz="1800" kern="1200">
+                <a:solidFill>
+                  <a:schemeClr val="dk1"/>
+                </a:solidFill>
+                <a:latin typeface="+mn-lt"/>
+                <a:ea typeface="+mn-ea"/>
+                <a:cs typeface="+mn-cs"/>
+              </a:defRPr>
+            </a:lvl9pPr>
+          </a:lstStyle>
+          <a:p>
+            <a:pPr algn="ctr"/>
+            <a:r>
+              <a:rPr lang="" altLang="x-none" sz="1200">
+                <a:cs typeface="Calibri"/>
+              </a:rPr>
+              <a:t>Object</a:t>
+            </a:r>
+            <a:endParaRPr lang="" altLang="x-none" sz="1200">
+              <a:cs typeface="Calibri"/>
+            </a:endParaRPr>
+          </a:p>
+          <a:p>
+            <a:pPr algn="ctr"/>
+            <a:r>
+              <a:rPr lang="" altLang="x-none" sz="1200">
+                <a:cs typeface="Calibri"/>
+              </a:rPr>
+              <a:t>Locking</a:t>
+            </a:r>
+            <a:endParaRPr lang="x-none" altLang="en-US" sz="1200" dirty="0">
               <a:cs typeface="Calibri"/>
             </a:endParaRPr>
           </a:p>
